--- a/software/util/gurudwara_parklea_news.pptx
+++ b/software/util/gurudwara_parklea_news.pptx
@@ -6,6 +6,7 @@
   </p:sldMasterIdLst>
   <p:sldIdLst>
     <p:sldId id="257" r:id="rId2"/>
+    <p:sldId id="258" r:id="rId3"/>
   </p:sldIdLst>
   <p:sldSz cx="9144000" cy="6858000" type="screen4x3"/>
   <p:notesSz cx="6858000" cy="9144000"/>
@@ -289,7 +290,7 @@
             <a:fld id="{1D8BD707-D9CF-40AE-B4C6-C98DA3205C09}" type="datetimeFigureOut">
               <a:rPr lang="en-US" smtClean="0"/>
               <a:pPr/>
-              <a:t>6/9/2014</a:t>
+              <a:t>9/3/2014</a:t>
             </a:fld>
             <a:endParaRPr lang="en-US"/>
           </a:p>
@@ -456,7 +457,7 @@
             <a:fld id="{1D8BD707-D9CF-40AE-B4C6-C98DA3205C09}" type="datetimeFigureOut">
               <a:rPr lang="en-US" smtClean="0"/>
               <a:pPr/>
-              <a:t>6/9/2014</a:t>
+              <a:t>9/3/2014</a:t>
             </a:fld>
             <a:endParaRPr lang="en-US"/>
           </a:p>
@@ -633,7 +634,7 @@
             <a:fld id="{1D8BD707-D9CF-40AE-B4C6-C98DA3205C09}" type="datetimeFigureOut">
               <a:rPr lang="en-US" smtClean="0"/>
               <a:pPr/>
-              <a:t>6/9/2014</a:t>
+              <a:t>9/3/2014</a:t>
             </a:fld>
             <a:endParaRPr lang="en-US"/>
           </a:p>
@@ -800,7 +801,7 @@
             <a:fld id="{1D8BD707-D9CF-40AE-B4C6-C98DA3205C09}" type="datetimeFigureOut">
               <a:rPr lang="en-US" smtClean="0"/>
               <a:pPr/>
-              <a:t>6/9/2014</a:t>
+              <a:t>9/3/2014</a:t>
             </a:fld>
             <a:endParaRPr lang="en-US"/>
           </a:p>
@@ -1043,7 +1044,7 @@
             <a:fld id="{1D8BD707-D9CF-40AE-B4C6-C98DA3205C09}" type="datetimeFigureOut">
               <a:rPr lang="en-US" smtClean="0"/>
               <a:pPr/>
-              <a:t>6/9/2014</a:t>
+              <a:t>9/3/2014</a:t>
             </a:fld>
             <a:endParaRPr lang="en-US"/>
           </a:p>
@@ -1328,7 +1329,7 @@
             <a:fld id="{1D8BD707-D9CF-40AE-B4C6-C98DA3205C09}" type="datetimeFigureOut">
               <a:rPr lang="en-US" smtClean="0"/>
               <a:pPr/>
-              <a:t>6/9/2014</a:t>
+              <a:t>9/3/2014</a:t>
             </a:fld>
             <a:endParaRPr lang="en-US"/>
           </a:p>
@@ -1747,7 +1748,7 @@
             <a:fld id="{1D8BD707-D9CF-40AE-B4C6-C98DA3205C09}" type="datetimeFigureOut">
               <a:rPr lang="en-US" smtClean="0"/>
               <a:pPr/>
-              <a:t>6/9/2014</a:t>
+              <a:t>9/3/2014</a:t>
             </a:fld>
             <a:endParaRPr lang="en-US"/>
           </a:p>
@@ -1862,7 +1863,7 @@
             <a:fld id="{1D8BD707-D9CF-40AE-B4C6-C98DA3205C09}" type="datetimeFigureOut">
               <a:rPr lang="en-US" smtClean="0"/>
               <a:pPr/>
-              <a:t>6/9/2014</a:t>
+              <a:t>9/3/2014</a:t>
             </a:fld>
             <a:endParaRPr lang="en-US"/>
           </a:p>
@@ -1954,7 +1955,7 @@
             <a:fld id="{1D8BD707-D9CF-40AE-B4C6-C98DA3205C09}" type="datetimeFigureOut">
               <a:rPr lang="en-US" smtClean="0"/>
               <a:pPr/>
-              <a:t>6/9/2014</a:t>
+              <a:t>9/3/2014</a:t>
             </a:fld>
             <a:endParaRPr lang="en-US"/>
           </a:p>
@@ -2228,7 +2229,7 @@
             <a:fld id="{1D8BD707-D9CF-40AE-B4C6-C98DA3205C09}" type="datetimeFigureOut">
               <a:rPr lang="en-US" smtClean="0"/>
               <a:pPr/>
-              <a:t>6/9/2014</a:t>
+              <a:t>9/3/2014</a:t>
             </a:fld>
             <a:endParaRPr lang="en-US"/>
           </a:p>
@@ -2478,7 +2479,7 @@
             <a:fld id="{1D8BD707-D9CF-40AE-B4C6-C98DA3205C09}" type="datetimeFigureOut">
               <a:rPr lang="en-US" smtClean="0"/>
               <a:pPr/>
-              <a:t>6/9/2014</a:t>
+              <a:t>9/3/2014</a:t>
             </a:fld>
             <a:endParaRPr lang="en-US"/>
           </a:p>
@@ -2688,7 +2689,7 @@
             <a:fld id="{1D8BD707-D9CF-40AE-B4C6-C98DA3205C09}" type="datetimeFigureOut">
               <a:rPr lang="en-US" smtClean="0"/>
               <a:pPr/>
-              <a:t>6/9/2014</a:t>
+              <a:t>9/3/2014</a:t>
             </a:fld>
             <a:endParaRPr lang="en-US"/>
           </a:p>
@@ -3536,6 +3537,637 @@
 </p:sld>
 </file>
 
+<file path=ppt/slides/slide2.xml><?xml version="1.0" encoding="utf-8"?>
+<p:sld xmlns:a="http://schemas.openxmlformats.org/drawingml/2006/main" xmlns:r="http://schemas.openxmlformats.org/officeDocument/2006/relationships" xmlns:p="http://schemas.openxmlformats.org/presentationml/2006/main">
+  <p:cSld>
+    <p:spTree>
+      <p:nvGrpSpPr>
+        <p:cNvPr id="1" name=""/>
+        <p:cNvGrpSpPr/>
+        <p:nvPr/>
+      </p:nvGrpSpPr>
+      <p:grpSpPr>
+        <a:xfrm>
+          <a:off x="0" y="0"/>
+          <a:ext cx="0" cy="0"/>
+          <a:chOff x="0" y="0"/>
+          <a:chExt cx="0" cy="0"/>
+        </a:xfrm>
+      </p:grpSpPr>
+      <p:graphicFrame>
+        <p:nvGraphicFramePr>
+          <p:cNvPr id="4" name="Table 3"/>
+          <p:cNvGraphicFramePr>
+            <a:graphicFrameLocks noGrp="1"/>
+          </p:cNvGraphicFramePr>
+          <p:nvPr>
+            <p:extLst>
+              <p:ext uri="{D42A27DB-BD31-4B8C-83A1-F6EECF244321}">
+                <p14:modId xmlns:p14="http://schemas.microsoft.com/office/powerpoint/2010/main" xmlns="" val="634416919"/>
+              </p:ext>
+            </p:extLst>
+          </p:nvPr>
+        </p:nvGraphicFramePr>
+        <p:xfrm>
+          <a:off x="320099" y="159240"/>
+          <a:ext cx="8640960" cy="1554480"/>
+        </p:xfrm>
+        <a:graphic>
+          <a:graphicData uri="http://schemas.openxmlformats.org/drawingml/2006/table">
+            <a:tbl>
+              <a:tblPr firstRow="1" bandRow="1">
+                <a:tableStyleId>{5C22544A-7EE6-4342-B048-85BDC9FD1C3A}</a:tableStyleId>
+              </a:tblPr>
+              <a:tblGrid>
+                <a:gridCol w="8640960"/>
+              </a:tblGrid>
+              <a:tr h="1364760">
+                <a:tc>
+                  <a:txBody>
+                    <a:bodyPr/>
+                    <a:lstStyle/>
+                    <a:p>
+                      <a:pPr algn="ctr"/>
+                      <a:r>
+                        <a:rPr lang="en-AU" sz="3200" b="1" kern="1200" smtClean="0">
+                          <a:solidFill>
+                            <a:schemeClr val="lt1"/>
+                          </a:solidFill>
+                          <a:latin typeface="+mn-lt"/>
+                          <a:ea typeface="+mn-ea"/>
+                          <a:cs typeface="+mn-cs"/>
+                        </a:rPr>
+                        <a:t>3 ways to listen 24/7 </a:t>
+                      </a:r>
+                      <a:r>
+                        <a:rPr lang="en-AU" sz="3200" b="1" kern="1200" dirty="0" smtClean="0">
+                          <a:solidFill>
+                            <a:schemeClr val="lt1"/>
+                          </a:solidFill>
+                          <a:latin typeface="+mn-lt"/>
+                          <a:ea typeface="+mn-ea"/>
+                          <a:cs typeface="+mn-cs"/>
+                        </a:rPr>
+                        <a:t>Kirtan Radio </a:t>
+                      </a:r>
+                      <a:r>
+                        <a:rPr lang="en-AU" sz="3200" b="1" kern="1200" dirty="0" smtClean="0">
+                          <a:solidFill>
+                            <a:schemeClr val="lt1"/>
+                          </a:solidFill>
+                          <a:latin typeface="+mn-lt"/>
+                          <a:ea typeface="+mn-ea"/>
+                          <a:cs typeface="+mn-cs"/>
+                        </a:rPr>
+                        <a:t>from</a:t>
+                      </a:r>
+                    </a:p>
+                    <a:p>
+                      <a:pPr algn="ctr"/>
+                      <a:r>
+                        <a:rPr lang="en-AU" sz="3200" b="1" kern="1200" dirty="0" smtClean="0">
+                          <a:solidFill>
+                            <a:schemeClr val="lt1"/>
+                          </a:solidFill>
+                          <a:latin typeface="+mn-lt"/>
+                          <a:ea typeface="+mn-ea"/>
+                          <a:cs typeface="+mn-cs"/>
+                        </a:rPr>
+                        <a:t> </a:t>
+                      </a:r>
+                      <a:r>
+                        <a:rPr lang="en-AU" sz="3200" b="1" kern="1200" dirty="0" smtClean="0">
+                          <a:solidFill>
+                            <a:schemeClr val="lt1"/>
+                          </a:solidFill>
+                          <a:latin typeface="+mn-lt"/>
+                          <a:ea typeface="+mn-ea"/>
+                          <a:cs typeface="+mn-cs"/>
+                        </a:rPr>
+                        <a:t>Gurdwara Sahib Glenwood</a:t>
+                      </a:r>
+                    </a:p>
+                    <a:p>
+                      <a:pPr algn="ctr"/>
+                      <a:r>
+                        <a:rPr lang="en-US" sz="3200" b="1" kern="1200" dirty="0" smtClean="0">
+                          <a:solidFill>
+                            <a:srgbClr val="C00000"/>
+                          </a:solidFill>
+                          <a:latin typeface="+mn-lt"/>
+                          <a:ea typeface="+mn-ea"/>
+                          <a:cs typeface="+mn-cs"/>
+                        </a:rPr>
+                        <a:t>LIVE </a:t>
+                      </a:r>
+                      <a:r>
+                        <a:rPr lang="en-US" sz="3200" b="1" kern="1200" dirty="0" smtClean="0">
+                          <a:solidFill>
+                            <a:schemeClr val="lt1"/>
+                          </a:solidFill>
+                          <a:latin typeface="+mn-lt"/>
+                          <a:ea typeface="+mn-ea"/>
+                          <a:cs typeface="+mn-cs"/>
+                        </a:rPr>
+                        <a:t>in the Mornings and Evenings</a:t>
+                      </a:r>
+                      <a:endParaRPr lang="en-AU" sz="3200" dirty="0"/>
+                    </a:p>
+                  </a:txBody>
+                  <a:tcPr/>
+                </a:tc>
+              </a:tr>
+            </a:tbl>
+          </a:graphicData>
+        </a:graphic>
+      </p:graphicFrame>
+      <p:graphicFrame>
+        <p:nvGraphicFramePr>
+          <p:cNvPr id="6" name="Table 5"/>
+          <p:cNvGraphicFramePr>
+            <a:graphicFrameLocks noGrp="1"/>
+          </p:cNvGraphicFramePr>
+          <p:nvPr>
+            <p:extLst>
+              <p:ext uri="{D42A27DB-BD31-4B8C-83A1-F6EECF244321}">
+                <p14:modId xmlns:p14="http://schemas.microsoft.com/office/powerpoint/2010/main" xmlns="" val="2018880455"/>
+              </p:ext>
+            </p:extLst>
+          </p:nvPr>
+        </p:nvGraphicFramePr>
+        <p:xfrm>
+          <a:off x="228600" y="1797403"/>
+          <a:ext cx="8640960" cy="5060597"/>
+        </p:xfrm>
+        <a:graphic>
+          <a:graphicData uri="http://schemas.openxmlformats.org/drawingml/2006/table">
+            <a:tbl>
+              <a:tblPr firstRow="1" bandRow="1">
+                <a:tableStyleId>{5C22544A-7EE6-4342-B048-85BDC9FD1C3A}</a:tableStyleId>
+              </a:tblPr>
+              <a:tblGrid>
+                <a:gridCol w="4320480"/>
+                <a:gridCol w="4320480"/>
+              </a:tblGrid>
+              <a:tr h="1338340">
+                <a:tc>
+                  <a:txBody>
+                    <a:bodyPr/>
+                    <a:lstStyle/>
+                    <a:p>
+                      <a:pPr algn="l"/>
+                      <a:r>
+                        <a:rPr lang="en-AU" sz="2800" b="0" kern="1200" dirty="0" smtClean="0">
+                          <a:solidFill>
+                            <a:schemeClr val="dk1"/>
+                          </a:solidFill>
+                          <a:latin typeface="+mn-lt"/>
+                          <a:ea typeface="+mn-ea"/>
+                          <a:cs typeface="+mn-cs"/>
+                        </a:rPr>
+                        <a:t>Gurdwara Sahib </a:t>
+                      </a:r>
+                      <a:r>
+                        <a:rPr lang="en-AU" sz="2800" b="0" kern="1200" dirty="0" smtClean="0">
+                          <a:solidFill>
+                            <a:schemeClr val="dk1"/>
+                          </a:solidFill>
+                          <a:latin typeface="+mn-lt"/>
+                          <a:ea typeface="+mn-ea"/>
+                          <a:cs typeface="+mn-cs"/>
+                        </a:rPr>
+                        <a:t>official </a:t>
+                      </a:r>
+                      <a:r>
+                        <a:rPr lang="en-AU" sz="2800" b="0" kern="1200" dirty="0" smtClean="0">
+                          <a:solidFill>
+                            <a:schemeClr val="dk1"/>
+                          </a:solidFill>
+                          <a:latin typeface="+mn-lt"/>
+                          <a:ea typeface="+mn-ea"/>
+                          <a:cs typeface="+mn-cs"/>
+                        </a:rPr>
+                        <a:t>website </a:t>
+                      </a:r>
+                      <a:r>
+                        <a:rPr lang="en-AU" sz="2800" b="0" kern="1200" dirty="0" smtClean="0">
+                          <a:solidFill>
+                            <a:schemeClr val="dk1"/>
+                          </a:solidFill>
+                          <a:latin typeface="+mn-lt"/>
+                          <a:ea typeface="+mn-ea"/>
+                          <a:cs typeface="+mn-cs"/>
+                          <a:hlinkClick r:id="rId2" action="ppaction://hlinkfile"/>
+                        </a:rPr>
+                        <a:t>asainc.org.au</a:t>
+                      </a:r>
+                      <a:endParaRPr lang="en-AU" sz="2800" b="0" kern="1200" dirty="0">
+                        <a:solidFill>
+                          <a:schemeClr val="dk1"/>
+                        </a:solidFill>
+                        <a:latin typeface="+mn-lt"/>
+                        <a:ea typeface="+mn-ea"/>
+                        <a:cs typeface="+mn-cs"/>
+                      </a:endParaRPr>
+                    </a:p>
+                  </a:txBody>
+                  <a:tcPr marL="65314" marR="65314" marT="32657" marB="32657">
+                    <a:solidFill>
+                      <a:srgbClr val="E6EDF6"/>
+                    </a:solidFill>
+                  </a:tcPr>
+                </a:tc>
+                <a:tc>
+                  <a:txBody>
+                    <a:bodyPr/>
+                    <a:lstStyle/>
+                    <a:p>
+                      <a:endParaRPr lang="en-AU" sz="2100" b="0" kern="1200" dirty="0">
+                        <a:solidFill>
+                          <a:schemeClr val="dk1"/>
+                        </a:solidFill>
+                        <a:latin typeface="+mn-lt"/>
+                        <a:ea typeface="+mn-ea"/>
+                        <a:cs typeface="+mn-cs"/>
+                      </a:endParaRPr>
+                    </a:p>
+                  </a:txBody>
+                  <a:tcPr marL="65314" marR="65314" marT="32657" marB="32657">
+                    <a:solidFill>
+                      <a:srgbClr val="E6EDF6"/>
+                    </a:solidFill>
+                  </a:tcPr>
+                </a:tc>
+              </a:tr>
+              <a:tr h="1895981">
+                <a:tc>
+                  <a:txBody>
+                    <a:bodyPr/>
+                    <a:lstStyle/>
+                    <a:p>
+                      <a:r>
+                        <a:rPr lang="en-US" sz="2800" dirty="0" smtClean="0"/>
+                        <a:t>Download TuneIn radio app       on your smart phone and search for Glenwood</a:t>
+                      </a:r>
+                    </a:p>
+                  </a:txBody>
+                  <a:tcPr marL="65314" marR="65314" marT="32657" marB="32657">
+                    <a:solidFill>
+                      <a:srgbClr val="E6EDF6"/>
+                    </a:solidFill>
+                  </a:tcPr>
+                </a:tc>
+                <a:tc>
+                  <a:txBody>
+                    <a:bodyPr/>
+                    <a:lstStyle/>
+                    <a:p>
+                      <a:endParaRPr lang="en-AU" sz="2100" b="0" kern="1200" dirty="0">
+                        <a:solidFill>
+                          <a:schemeClr val="dk1"/>
+                        </a:solidFill>
+                        <a:latin typeface="+mn-lt"/>
+                        <a:ea typeface="+mn-ea"/>
+                        <a:cs typeface="+mn-cs"/>
+                      </a:endParaRPr>
+                    </a:p>
+                  </a:txBody>
+                  <a:tcPr marL="65314" marR="65314" marT="32657" marB="32657">
+                    <a:solidFill>
+                      <a:srgbClr val="E6EDF6"/>
+                    </a:solidFill>
+                  </a:tcPr>
+                </a:tc>
+              </a:tr>
+              <a:tr h="1826276">
+                <a:tc>
+                  <a:txBody>
+                    <a:bodyPr/>
+                    <a:lstStyle/>
+                    <a:p>
+                      <a:r>
+                        <a:rPr lang="en-US" sz="2800" kern="1200" dirty="0" smtClean="0">
+                          <a:solidFill>
+                            <a:schemeClr val="dk1"/>
+                          </a:solidFill>
+                          <a:latin typeface="+mn-lt"/>
+                          <a:ea typeface="+mn-ea"/>
+                          <a:cs typeface="+mn-cs"/>
+                        </a:rPr>
+                        <a:t>Download SikhNet radio app       on your smart phone and search for Channel 73 OR go to SikhNet.com</a:t>
+                      </a:r>
+                      <a:endParaRPr lang="en-AU" sz="2800" kern="1200" dirty="0">
+                        <a:solidFill>
+                          <a:schemeClr val="dk1"/>
+                        </a:solidFill>
+                        <a:latin typeface="+mn-lt"/>
+                        <a:ea typeface="+mn-ea"/>
+                        <a:cs typeface="+mn-cs"/>
+                      </a:endParaRPr>
+                    </a:p>
+                  </a:txBody>
+                  <a:tcPr marL="65314" marR="65314" marT="32657" marB="32657">
+                    <a:solidFill>
+                      <a:srgbClr val="E6EDF6"/>
+                    </a:solidFill>
+                  </a:tcPr>
+                </a:tc>
+                <a:tc>
+                  <a:txBody>
+                    <a:bodyPr/>
+                    <a:lstStyle/>
+                    <a:p>
+                      <a:endParaRPr lang="en-AU" sz="1800" dirty="0"/>
+                    </a:p>
+                  </a:txBody>
+                  <a:tcPr marL="65314" marR="65314" marT="32657" marB="32657">
+                    <a:solidFill>
+                      <a:srgbClr val="E6EDF6"/>
+                    </a:solidFill>
+                  </a:tcPr>
+                </a:tc>
+              </a:tr>
+            </a:tbl>
+          </a:graphicData>
+        </a:graphic>
+      </p:graphicFrame>
+      <p:pic>
+        <p:nvPicPr>
+          <p:cNvPr id="1030" name="Picture 6"/>
+          <p:cNvPicPr>
+            <a:picLocks noChangeAspect="1" noChangeArrowheads="1"/>
+          </p:cNvPicPr>
+          <p:nvPr/>
+        </p:nvPicPr>
+        <p:blipFill>
+          <a:blip r:embed="rId3" cstate="print">
+            <a:extLst>
+              <a:ext uri="{28A0092B-C50C-407E-A947-70E740481C1C}">
+                <a14:useLocalDpi xmlns:a14="http://schemas.microsoft.com/office/drawing/2010/main" xmlns="" val="0"/>
+              </a:ext>
+            </a:extLst>
+          </a:blip>
+          <a:srcRect/>
+          <a:stretch>
+            <a:fillRect/>
+          </a:stretch>
+        </p:blipFill>
+        <p:spPr bwMode="auto">
+          <a:xfrm>
+            <a:off x="4953000" y="5181600"/>
+            <a:ext cx="3329880" cy="1205646"/>
+          </a:xfrm>
+          <a:prstGeom prst="rect">
+            <a:avLst/>
+          </a:prstGeom>
+          <a:noFill/>
+          <a:ln>
+            <a:noFill/>
+          </a:ln>
+          <a:extLst>
+            <a:ext uri="{909E8E84-426E-40DD-AFC4-6F175D3DCCD1}">
+              <a14:hiddenFill xmlns:a14="http://schemas.microsoft.com/office/drawing/2010/main" xmlns="">
+                <a:solidFill>
+                  <a:schemeClr val="accent1"/>
+                </a:solidFill>
+              </a14:hiddenFill>
+            </a:ext>
+            <a:ext uri="{91240B29-F687-4F45-9708-019B960494DF}">
+              <a14:hiddenLine xmlns:a14="http://schemas.microsoft.com/office/drawing/2010/main" xmlns="" w="9525">
+                <a:solidFill>
+                  <a:schemeClr val="tx1"/>
+                </a:solidFill>
+                <a:miter lim="800000"/>
+                <a:headEnd/>
+                <a:tailEnd/>
+              </a14:hiddenLine>
+            </a:ext>
+          </a:extLst>
+        </p:spPr>
+      </p:pic>
+      <p:pic>
+        <p:nvPicPr>
+          <p:cNvPr id="1032" name="Picture 8"/>
+          <p:cNvPicPr>
+            <a:picLocks noChangeAspect="1" noChangeArrowheads="1"/>
+          </p:cNvPicPr>
+          <p:nvPr/>
+        </p:nvPicPr>
+        <p:blipFill>
+          <a:blip r:embed="rId4" cstate="print">
+            <a:extLst>
+              <a:ext uri="{28A0092B-C50C-407E-A947-70E740481C1C}">
+                <a14:useLocalDpi xmlns:a14="http://schemas.microsoft.com/office/drawing/2010/main" xmlns="" val="0"/>
+              </a:ext>
+            </a:extLst>
+          </a:blip>
+          <a:srcRect/>
+          <a:stretch>
+            <a:fillRect/>
+          </a:stretch>
+        </p:blipFill>
+        <p:spPr bwMode="auto">
+          <a:xfrm>
+            <a:off x="4876800" y="3352800"/>
+            <a:ext cx="3226952" cy="1463023"/>
+          </a:xfrm>
+          <a:prstGeom prst="rect">
+            <a:avLst/>
+          </a:prstGeom>
+          <a:noFill/>
+          <a:ln>
+            <a:noFill/>
+          </a:ln>
+          <a:extLst>
+            <a:ext uri="{909E8E84-426E-40DD-AFC4-6F175D3DCCD1}">
+              <a14:hiddenFill xmlns:a14="http://schemas.microsoft.com/office/drawing/2010/main" xmlns="">
+                <a:solidFill>
+                  <a:schemeClr val="accent1"/>
+                </a:solidFill>
+              </a14:hiddenFill>
+            </a:ext>
+            <a:ext uri="{91240B29-F687-4F45-9708-019B960494DF}">
+              <a14:hiddenLine xmlns:a14="http://schemas.microsoft.com/office/drawing/2010/main" xmlns="" w="9525">
+                <a:solidFill>
+                  <a:schemeClr val="tx1"/>
+                </a:solidFill>
+                <a:miter lim="800000"/>
+                <a:headEnd/>
+                <a:tailEnd/>
+              </a14:hiddenLine>
+            </a:ext>
+          </a:extLst>
+        </p:spPr>
+      </p:pic>
+      <p:pic>
+        <p:nvPicPr>
+          <p:cNvPr id="1038" name="Picture 14"/>
+          <p:cNvPicPr>
+            <a:picLocks noChangeAspect="1" noChangeArrowheads="1"/>
+          </p:cNvPicPr>
+          <p:nvPr/>
+        </p:nvPicPr>
+        <p:blipFill>
+          <a:blip r:embed="rId5" cstate="print">
+            <a:extLst>
+              <a:ext uri="{28A0092B-C50C-407E-A947-70E740481C1C}">
+                <a14:useLocalDpi xmlns:a14="http://schemas.microsoft.com/office/drawing/2010/main" xmlns="" val="0"/>
+              </a:ext>
+            </a:extLst>
+          </a:blip>
+          <a:srcRect/>
+          <a:stretch>
+            <a:fillRect/>
+          </a:stretch>
+        </p:blipFill>
+        <p:spPr bwMode="auto">
+          <a:xfrm>
+            <a:off x="3200400" y="6248400"/>
+            <a:ext cx="671286" cy="398009"/>
+          </a:xfrm>
+          <a:prstGeom prst="rect">
+            <a:avLst/>
+          </a:prstGeom>
+          <a:noFill/>
+          <a:ln>
+            <a:noFill/>
+          </a:ln>
+          <a:extLst>
+            <a:ext uri="{909E8E84-426E-40DD-AFC4-6F175D3DCCD1}">
+              <a14:hiddenFill xmlns:a14="http://schemas.microsoft.com/office/drawing/2010/main" xmlns="">
+                <a:solidFill>
+                  <a:schemeClr val="accent1"/>
+                </a:solidFill>
+              </a14:hiddenFill>
+            </a:ext>
+            <a:ext uri="{91240B29-F687-4F45-9708-019B960494DF}">
+              <a14:hiddenLine xmlns:a14="http://schemas.microsoft.com/office/drawing/2010/main" xmlns="" w="9525">
+                <a:solidFill>
+                  <a:schemeClr val="tx1"/>
+                </a:solidFill>
+                <a:miter lim="800000"/>
+                <a:headEnd/>
+                <a:tailEnd/>
+              </a14:hiddenLine>
+            </a:ext>
+          </a:extLst>
+        </p:spPr>
+      </p:pic>
+      <p:pic>
+        <p:nvPicPr>
+          <p:cNvPr id="1039" name="Picture 15"/>
+          <p:cNvPicPr>
+            <a:picLocks noChangeAspect="1" noChangeArrowheads="1"/>
+          </p:cNvPicPr>
+          <p:nvPr/>
+        </p:nvPicPr>
+        <p:blipFill>
+          <a:blip r:embed="rId6" cstate="print">
+            <a:extLst>
+              <a:ext uri="{28A0092B-C50C-407E-A947-70E740481C1C}">
+                <a14:useLocalDpi xmlns:a14="http://schemas.microsoft.com/office/drawing/2010/main" xmlns="" val="0"/>
+              </a:ext>
+            </a:extLst>
+          </a:blip>
+          <a:srcRect/>
+          <a:stretch>
+            <a:fillRect/>
+          </a:stretch>
+        </p:blipFill>
+        <p:spPr bwMode="auto">
+          <a:xfrm>
+            <a:off x="3581400" y="4114800"/>
+            <a:ext cx="487373" cy="424333"/>
+          </a:xfrm>
+          <a:prstGeom prst="rect">
+            <a:avLst/>
+          </a:prstGeom>
+          <a:noFill/>
+          <a:ln>
+            <a:noFill/>
+          </a:ln>
+          <a:extLst>
+            <a:ext uri="{909E8E84-426E-40DD-AFC4-6F175D3DCCD1}">
+              <a14:hiddenFill xmlns:a14="http://schemas.microsoft.com/office/drawing/2010/main" xmlns="">
+                <a:solidFill>
+                  <a:schemeClr val="accent1"/>
+                </a:solidFill>
+              </a14:hiddenFill>
+            </a:ext>
+            <a:ext uri="{91240B29-F687-4F45-9708-019B960494DF}">
+              <a14:hiddenLine xmlns:a14="http://schemas.microsoft.com/office/drawing/2010/main" xmlns="" w="9525">
+                <a:solidFill>
+                  <a:schemeClr val="tx1"/>
+                </a:solidFill>
+                <a:miter lim="800000"/>
+                <a:headEnd/>
+                <a:tailEnd/>
+              </a14:hiddenLine>
+            </a:ext>
+          </a:extLst>
+        </p:spPr>
+      </p:pic>
+      <p:pic>
+        <p:nvPicPr>
+          <p:cNvPr id="1026" name="Picture 2" descr="C:\Users\JATSIN~1.MYN\AppData\Local\Temp\SNAGHTML2a10000c.PNG"/>
+          <p:cNvPicPr>
+            <a:picLocks noChangeAspect="1" noChangeArrowheads="1"/>
+          </p:cNvPicPr>
+          <p:nvPr/>
+        </p:nvPicPr>
+        <p:blipFill>
+          <a:blip r:embed="rId7" cstate="print">
+            <a:extLst>
+              <a:ext uri="{28A0092B-C50C-407E-A947-70E740481C1C}">
+                <a14:useLocalDpi xmlns:a14="http://schemas.microsoft.com/office/drawing/2010/main" xmlns="" val="0"/>
+              </a:ext>
+            </a:extLst>
+          </a:blip>
+          <a:srcRect/>
+          <a:stretch>
+            <a:fillRect/>
+          </a:stretch>
+        </p:blipFill>
+        <p:spPr bwMode="auto">
+          <a:xfrm>
+            <a:off x="5181600" y="1752600"/>
+            <a:ext cx="2407956" cy="1244548"/>
+          </a:xfrm>
+          <a:prstGeom prst="rect">
+            <a:avLst/>
+          </a:prstGeom>
+          <a:noFill/>
+          <a:extLst>
+            <a:ext uri="{909E8E84-426E-40DD-AFC4-6F175D3DCCD1}">
+              <a14:hiddenFill xmlns:a14="http://schemas.microsoft.com/office/drawing/2010/main" xmlns="">
+                <a:solidFill>
+                  <a:srgbClr val="FFFFFF"/>
+                </a:solidFill>
+              </a14:hiddenFill>
+            </a:ext>
+          </a:extLst>
+        </p:spPr>
+      </p:pic>
+    </p:spTree>
+    <p:extLst>
+      <p:ext uri="{BB962C8B-B14F-4D97-AF65-F5344CB8AC3E}">
+        <p14:creationId xmlns:p14="http://schemas.microsoft.com/office/powerpoint/2010/main" xmlns="" val="1300761918"/>
+      </p:ext>
+    </p:extLst>
+  </p:cSld>
+  <p:clrMapOvr>
+    <a:masterClrMapping/>
+  </p:clrMapOvr>
+  <p:timing>
+    <p:tnLst>
+      <p:par>
+        <p:cTn id="1" dur="indefinite" restart="never" nodeType="tmRoot"/>
+      </p:par>
+    </p:tnLst>
+  </p:timing>
+</p:sld>
+</file>
+
 <file path=ppt/theme/theme1.xml><?xml version="1.0" encoding="utf-8"?>
 <a:theme xmlns:a="http://schemas.openxmlformats.org/drawingml/2006/main" name="Office Theme">
   <a:themeElements>

--- a/software/util/gurudwara_parklea_news.pptx
+++ b/software/util/gurudwara_parklea_news.pptx
@@ -3563,7 +3563,7 @@
           <p:nvPr>
             <p:extLst>
               <p:ext uri="{D42A27DB-BD31-4B8C-83A1-F6EECF244321}">
-                <p14:modId xmlns:p14="http://schemas.microsoft.com/office/powerpoint/2010/main" xmlns="" val="634416919"/>
+                <p14:modId xmlns="" xmlns:p14="http://schemas.microsoft.com/office/powerpoint/2010/main" val="634416919"/>
               </p:ext>
             </p:extLst>
           </p:nvPr>
@@ -3589,17 +3589,6 @@
                     <a:p>
                       <a:pPr algn="ctr"/>
                       <a:r>
-                        <a:rPr lang="en-AU" sz="3200" b="1" kern="1200" smtClean="0">
-                          <a:solidFill>
-                            <a:schemeClr val="lt1"/>
-                          </a:solidFill>
-                          <a:latin typeface="+mn-lt"/>
-                          <a:ea typeface="+mn-ea"/>
-                          <a:cs typeface="+mn-cs"/>
-                        </a:rPr>
-                        <a:t>3 ways to listen 24/7 </a:t>
-                      </a:r>
-                      <a:r>
                         <a:rPr lang="en-AU" sz="3200" b="1" kern="1200" dirty="0" smtClean="0">
                           <a:solidFill>
                             <a:schemeClr val="lt1"/>
@@ -3608,8 +3597,11 @@
                           <a:ea typeface="+mn-ea"/>
                           <a:cs typeface="+mn-cs"/>
                         </a:rPr>
-                        <a:t>Kirtan Radio </a:t>
-                      </a:r>
+                        <a:t>3 ways to listen 24/7 Kirtan Radio from</a:t>
+                      </a:r>
+                    </a:p>
+                    <a:p>
+                      <a:pPr algn="ctr"/>
                       <a:r>
                         <a:rPr lang="en-AU" sz="3200" b="1" kern="1200" dirty="0" smtClean="0">
                           <a:solidFill>
@@ -3619,36 +3611,22 @@
                           <a:ea typeface="+mn-ea"/>
                           <a:cs typeface="+mn-cs"/>
                         </a:rPr>
-                        <a:t>from</a:t>
+                        <a:t> Gurdwara Sahib Glenwood</a:t>
                       </a:r>
                     </a:p>
                     <a:p>
                       <a:pPr algn="ctr"/>
                       <a:r>
-                        <a:rPr lang="en-AU" sz="3200" b="1" kern="1200" dirty="0" smtClean="0">
+                        <a:rPr lang="en-US" sz="3200" b="1" kern="1200" dirty="0" smtClean="0">
                           <a:solidFill>
-                            <a:schemeClr val="lt1"/>
+                            <a:schemeClr val="bg1"/>
                           </a:solidFill>
                           <a:latin typeface="+mn-lt"/>
                           <a:ea typeface="+mn-ea"/>
                           <a:cs typeface="+mn-cs"/>
                         </a:rPr>
-                        <a:t> </a:t>
-                      </a:r>
-                      <a:r>
-                        <a:rPr lang="en-AU" sz="3200" b="1" kern="1200" dirty="0" smtClean="0">
-                          <a:solidFill>
-                            <a:schemeClr val="lt1"/>
-                          </a:solidFill>
-                          <a:latin typeface="+mn-lt"/>
-                          <a:ea typeface="+mn-ea"/>
-                          <a:cs typeface="+mn-cs"/>
-                        </a:rPr>
-                        <a:t>Gurdwara Sahib Glenwood</a:t>
-                      </a:r>
-                    </a:p>
-                    <a:p>
-                      <a:pPr algn="ctr"/>
+                        <a:t>LIVE</a:t>
+                      </a:r>
                       <a:r>
                         <a:rPr lang="en-US" sz="3200" b="1" kern="1200" dirty="0" smtClean="0">
                           <a:solidFill>
@@ -3658,7 +3636,7 @@
                           <a:ea typeface="+mn-ea"/>
                           <a:cs typeface="+mn-cs"/>
                         </a:rPr>
-                        <a:t>LIVE </a:t>
+                        <a:t> </a:t>
                       </a:r>
                       <a:r>
                         <a:rPr lang="en-US" sz="3200" b="1" kern="1200" dirty="0" smtClean="0">
@@ -3690,20 +3668,20 @@
           <p:nvPr>
             <p:extLst>
               <p:ext uri="{D42A27DB-BD31-4B8C-83A1-F6EECF244321}">
-                <p14:modId xmlns:p14="http://schemas.microsoft.com/office/powerpoint/2010/main" xmlns="" val="2018880455"/>
+                <p14:modId xmlns="" xmlns:p14="http://schemas.microsoft.com/office/powerpoint/2010/main" val="2018880455"/>
               </p:ext>
             </p:extLst>
           </p:nvPr>
         </p:nvGraphicFramePr>
         <p:xfrm>
-          <a:off x="228600" y="1797403"/>
+          <a:off x="228600" y="1721203"/>
           <a:ext cx="8640960" cy="5060597"/>
         </p:xfrm>
         <a:graphic>
           <a:graphicData uri="http://schemas.openxmlformats.org/drawingml/2006/table">
             <a:tbl>
               <a:tblPr firstRow="1" bandRow="1">
-                <a:tableStyleId>{5C22544A-7EE6-4342-B048-85BDC9FD1C3A}</a:tableStyleId>
+                <a:tableStyleId>{2D5ABB26-0587-4C30-8999-92F81FD0307C}</a:tableStyleId>
               </a:tblPr>
               <a:tblGrid>
                 <a:gridCol w="4320480"/>
@@ -3717,46 +3695,11 @@
                     <a:p>
                       <a:pPr algn="l"/>
                       <a:r>
-                        <a:rPr lang="en-AU" sz="2800" b="0" kern="1200" dirty="0" smtClean="0">
-                          <a:solidFill>
-                            <a:schemeClr val="dk1"/>
-                          </a:solidFill>
-                          <a:latin typeface="+mn-lt"/>
-                          <a:ea typeface="+mn-ea"/>
-                          <a:cs typeface="+mn-cs"/>
-                        </a:rPr>
-                        <a:t>Gurdwara Sahib </a:t>
-                      </a:r>
-                      <a:r>
-                        <a:rPr lang="en-AU" sz="2800" b="0" kern="1200" dirty="0" smtClean="0">
-                          <a:solidFill>
-                            <a:schemeClr val="dk1"/>
-                          </a:solidFill>
-                          <a:latin typeface="+mn-lt"/>
-                          <a:ea typeface="+mn-ea"/>
-                          <a:cs typeface="+mn-cs"/>
-                        </a:rPr>
-                        <a:t>official </a:t>
-                      </a:r>
-                      <a:r>
-                        <a:rPr lang="en-AU" sz="2800" b="0" kern="1200" dirty="0" smtClean="0">
-                          <a:solidFill>
-                            <a:schemeClr val="dk1"/>
-                          </a:solidFill>
-                          <a:latin typeface="+mn-lt"/>
-                          <a:ea typeface="+mn-ea"/>
-                          <a:cs typeface="+mn-cs"/>
-                        </a:rPr>
-                        <a:t>website </a:t>
-                      </a:r>
-                      <a:r>
-                        <a:rPr lang="en-AU" sz="2800" b="0" kern="1200" dirty="0" smtClean="0">
-                          <a:solidFill>
-                            <a:schemeClr val="dk1"/>
-                          </a:solidFill>
-                          <a:latin typeface="+mn-lt"/>
-                          <a:ea typeface="+mn-ea"/>
-                          <a:cs typeface="+mn-cs"/>
+                        <a:rPr lang="en-AU" sz="2800" kern="1200" dirty="0" smtClean="0"/>
+                        <a:t>Gurdwara Sahib official website </a:t>
+                      </a:r>
+                      <a:r>
+                        <a:rPr lang="en-AU" sz="2800" kern="1200" dirty="0" smtClean="0">
                           <a:hlinkClick r:id="rId2" action="ppaction://hlinkfile"/>
                         </a:rPr>
                         <a:t>asainc.org.au</a:t>
@@ -3772,9 +3715,42 @@
                     </a:p>
                   </a:txBody>
                   <a:tcPr marL="65314" marR="65314" marT="32657" marB="32657">
-                    <a:solidFill>
-                      <a:srgbClr val="E6EDF6"/>
-                    </a:solidFill>
+                    <a:lnL w="12700" cap="flat" cmpd="sng" algn="ctr">
+                      <a:solidFill>
+                        <a:schemeClr val="tx1"/>
+                      </a:solidFill>
+                      <a:prstDash val="solid"/>
+                      <a:round/>
+                      <a:headEnd type="none" w="med" len="med"/>
+                      <a:tailEnd type="none" w="med" len="med"/>
+                    </a:lnL>
+                    <a:lnR w="12700" cap="flat" cmpd="sng" algn="ctr">
+                      <a:solidFill>
+                        <a:schemeClr val="tx1"/>
+                      </a:solidFill>
+                      <a:prstDash val="solid"/>
+                      <a:round/>
+                      <a:headEnd type="none" w="med" len="med"/>
+                      <a:tailEnd type="none" w="med" len="med"/>
+                    </a:lnR>
+                    <a:lnT w="12700" cap="flat" cmpd="sng" algn="ctr">
+                      <a:solidFill>
+                        <a:schemeClr val="tx1"/>
+                      </a:solidFill>
+                      <a:prstDash val="solid"/>
+                      <a:round/>
+                      <a:headEnd type="none" w="med" len="med"/>
+                      <a:tailEnd type="none" w="med" len="med"/>
+                    </a:lnT>
+                    <a:lnB w="12700" cap="flat" cmpd="sng" algn="ctr">
+                      <a:solidFill>
+                        <a:schemeClr val="tx1"/>
+                      </a:solidFill>
+                      <a:prstDash val="solid"/>
+                      <a:round/>
+                      <a:headEnd type="none" w="med" len="med"/>
+                      <a:tailEnd type="none" w="med" len="med"/>
+                    </a:lnB>
                   </a:tcPr>
                 </a:tc>
                 <a:tc>
@@ -3793,9 +3769,42 @@
                     </a:p>
                   </a:txBody>
                   <a:tcPr marL="65314" marR="65314" marT="32657" marB="32657">
-                    <a:solidFill>
-                      <a:srgbClr val="E6EDF6"/>
-                    </a:solidFill>
+                    <a:lnL w="12700" cap="flat" cmpd="sng" algn="ctr">
+                      <a:solidFill>
+                        <a:schemeClr val="tx1"/>
+                      </a:solidFill>
+                      <a:prstDash val="solid"/>
+                      <a:round/>
+                      <a:headEnd type="none" w="med" len="med"/>
+                      <a:tailEnd type="none" w="med" len="med"/>
+                    </a:lnL>
+                    <a:lnR w="12700" cap="flat" cmpd="sng" algn="ctr">
+                      <a:solidFill>
+                        <a:schemeClr val="tx1"/>
+                      </a:solidFill>
+                      <a:prstDash val="solid"/>
+                      <a:round/>
+                      <a:headEnd type="none" w="med" len="med"/>
+                      <a:tailEnd type="none" w="med" len="med"/>
+                    </a:lnR>
+                    <a:lnT w="12700" cap="flat" cmpd="sng" algn="ctr">
+                      <a:solidFill>
+                        <a:schemeClr val="tx1"/>
+                      </a:solidFill>
+                      <a:prstDash val="solid"/>
+                      <a:round/>
+                      <a:headEnd type="none" w="med" len="med"/>
+                      <a:tailEnd type="none" w="med" len="med"/>
+                    </a:lnT>
+                    <a:lnB w="12700" cap="flat" cmpd="sng" algn="ctr">
+                      <a:solidFill>
+                        <a:schemeClr val="tx1"/>
+                      </a:solidFill>
+                      <a:prstDash val="solid"/>
+                      <a:round/>
+                      <a:headEnd type="none" w="med" len="med"/>
+                      <a:tailEnd type="none" w="med" len="med"/>
+                    </a:lnB>
                   </a:tcPr>
                 </a:tc>
               </a:tr>
@@ -3806,15 +3815,80 @@
                     <a:lstStyle/>
                     <a:p>
                       <a:r>
+                        <a:rPr lang="en-US" sz="2800" b="1" dirty="0" smtClean="0"/>
+                        <a:t>Download </a:t>
+                      </a:r>
+                      <a:r>
+                        <a:rPr lang="en-US" sz="2800" b="1" dirty="0" err="1" smtClean="0"/>
+                        <a:t>TuneIn</a:t>
+                      </a:r>
+                      <a:r>
+                        <a:rPr lang="en-US" sz="2800" b="1" dirty="0" smtClean="0"/>
+                        <a:t> </a:t>
+                      </a:r>
+                      <a:r>
+                        <a:rPr lang="en-US" sz="2800" b="1" dirty="0" smtClean="0"/>
+                        <a:t>Radio App</a:t>
+                      </a:r>
+                      <a:r>
+                        <a:rPr lang="en-US" sz="2800" b="1" baseline="0" dirty="0" smtClean="0"/>
+                        <a:t> </a:t>
+                      </a:r>
+                      <a:r>
                         <a:rPr lang="en-US" sz="2800" dirty="0" smtClean="0"/>
-                        <a:t>Download TuneIn radio app       on your smart phone and search for Glenwood</a:t>
+                        <a:t>on</a:t>
+                      </a:r>
+                      <a:r>
+                        <a:rPr lang="en-US" sz="2800" baseline="0" dirty="0" smtClean="0"/>
+                        <a:t> P</a:t>
+                      </a:r>
+                      <a:r>
+                        <a:rPr lang="en-US" sz="2800" dirty="0" smtClean="0"/>
+                        <a:t>hone </a:t>
+                      </a:r>
+                      <a:r>
+                        <a:rPr lang="en-US" sz="2800" dirty="0" smtClean="0"/>
+                        <a:t>and search for Glenwood</a:t>
                       </a:r>
                     </a:p>
                   </a:txBody>
                   <a:tcPr marL="65314" marR="65314" marT="32657" marB="32657">
-                    <a:solidFill>
-                      <a:srgbClr val="E6EDF6"/>
-                    </a:solidFill>
+                    <a:lnL w="12700" cap="flat" cmpd="sng" algn="ctr">
+                      <a:solidFill>
+                        <a:schemeClr val="tx1"/>
+                      </a:solidFill>
+                      <a:prstDash val="solid"/>
+                      <a:round/>
+                      <a:headEnd type="none" w="med" len="med"/>
+                      <a:tailEnd type="none" w="med" len="med"/>
+                    </a:lnL>
+                    <a:lnR w="12700" cap="flat" cmpd="sng" algn="ctr">
+                      <a:solidFill>
+                        <a:schemeClr val="tx1"/>
+                      </a:solidFill>
+                      <a:prstDash val="solid"/>
+                      <a:round/>
+                      <a:headEnd type="none" w="med" len="med"/>
+                      <a:tailEnd type="none" w="med" len="med"/>
+                    </a:lnR>
+                    <a:lnT w="12700" cap="flat" cmpd="sng" algn="ctr">
+                      <a:solidFill>
+                        <a:schemeClr val="tx1"/>
+                      </a:solidFill>
+                      <a:prstDash val="solid"/>
+                      <a:round/>
+                      <a:headEnd type="none" w="med" len="med"/>
+                      <a:tailEnd type="none" w="med" len="med"/>
+                    </a:lnT>
+                    <a:lnB w="12700" cap="flat" cmpd="sng" algn="ctr">
+                      <a:solidFill>
+                        <a:schemeClr val="tx1"/>
+                      </a:solidFill>
+                      <a:prstDash val="solid"/>
+                      <a:round/>
+                      <a:headEnd type="none" w="med" len="med"/>
+                      <a:tailEnd type="none" w="med" len="med"/>
+                    </a:lnB>
                   </a:tcPr>
                 </a:tc>
                 <a:tc>
@@ -3833,9 +3907,42 @@
                     </a:p>
                   </a:txBody>
                   <a:tcPr marL="65314" marR="65314" marT="32657" marB="32657">
-                    <a:solidFill>
-                      <a:srgbClr val="E6EDF6"/>
-                    </a:solidFill>
+                    <a:lnL w="12700" cap="flat" cmpd="sng" algn="ctr">
+                      <a:solidFill>
+                        <a:schemeClr val="tx1"/>
+                      </a:solidFill>
+                      <a:prstDash val="solid"/>
+                      <a:round/>
+                      <a:headEnd type="none" w="med" len="med"/>
+                      <a:tailEnd type="none" w="med" len="med"/>
+                    </a:lnL>
+                    <a:lnR w="12700" cap="flat" cmpd="sng" algn="ctr">
+                      <a:solidFill>
+                        <a:schemeClr val="tx1"/>
+                      </a:solidFill>
+                      <a:prstDash val="solid"/>
+                      <a:round/>
+                      <a:headEnd type="none" w="med" len="med"/>
+                      <a:tailEnd type="none" w="med" len="med"/>
+                    </a:lnR>
+                    <a:lnT w="12700" cap="flat" cmpd="sng" algn="ctr">
+                      <a:solidFill>
+                        <a:schemeClr val="tx1"/>
+                      </a:solidFill>
+                      <a:prstDash val="solid"/>
+                      <a:round/>
+                      <a:headEnd type="none" w="med" len="med"/>
+                      <a:tailEnd type="none" w="med" len="med"/>
+                    </a:lnT>
+                    <a:lnB w="12700" cap="flat" cmpd="sng" algn="ctr">
+                      <a:solidFill>
+                        <a:schemeClr val="tx1"/>
+                      </a:solidFill>
+                      <a:prstDash val="solid"/>
+                      <a:round/>
+                      <a:headEnd type="none" w="med" len="med"/>
+                      <a:tailEnd type="none" w="med" len="med"/>
+                    </a:lnB>
                   </a:tcPr>
                 </a:tc>
               </a:tr>
@@ -3846,15 +3953,36 @@
                     <a:lstStyle/>
                     <a:p>
                       <a:r>
-                        <a:rPr lang="en-US" sz="2800" kern="1200" dirty="0" smtClean="0">
-                          <a:solidFill>
-                            <a:schemeClr val="dk1"/>
-                          </a:solidFill>
-                          <a:latin typeface="+mn-lt"/>
-                          <a:ea typeface="+mn-ea"/>
-                          <a:cs typeface="+mn-cs"/>
-                        </a:rPr>
-                        <a:t>Download SikhNet radio app       on your smart phone and search for Channel 73 OR go to SikhNet.com</a:t>
+                        <a:rPr lang="en-US" sz="2800" b="1" kern="1200" dirty="0" smtClean="0"/>
+                        <a:t>Download </a:t>
+                      </a:r>
+                      <a:r>
+                        <a:rPr lang="en-US" sz="2800" b="1" kern="1200" dirty="0" err="1" smtClean="0"/>
+                        <a:t>SikhNet</a:t>
+                      </a:r>
+                      <a:r>
+                        <a:rPr lang="en-US" sz="2800" b="1" kern="1200" dirty="0" smtClean="0"/>
+                        <a:t> </a:t>
+                      </a:r>
+                      <a:r>
+                        <a:rPr lang="en-US" sz="2800" b="1" kern="1200" dirty="0" smtClean="0"/>
+                        <a:t>Radio </a:t>
+                      </a:r>
+                      <a:r>
+                        <a:rPr lang="en-US" sz="2800" b="1" kern="1200" dirty="0" smtClean="0"/>
+                        <a:t>app</a:t>
+                      </a:r>
+                      <a:r>
+                        <a:rPr lang="en-US" sz="2800" kern="1200" dirty="0" smtClean="0"/>
+                        <a:t>  </a:t>
+                      </a:r>
+                      <a:r>
+                        <a:rPr lang="en-US" sz="2800" kern="1200" dirty="0" smtClean="0"/>
+                        <a:t>on </a:t>
+                      </a:r>
+                      <a:r>
+                        <a:rPr lang="en-US" sz="2800" kern="1200" dirty="0" smtClean="0"/>
+                        <a:t>phone and search for Channel 73 OR go to SikhNet.com</a:t>
                       </a:r>
                       <a:endParaRPr lang="en-AU" sz="2800" kern="1200" dirty="0">
                         <a:solidFill>
@@ -3867,9 +3995,42 @@
                     </a:p>
                   </a:txBody>
                   <a:tcPr marL="65314" marR="65314" marT="32657" marB="32657">
-                    <a:solidFill>
-                      <a:srgbClr val="E6EDF6"/>
-                    </a:solidFill>
+                    <a:lnL w="12700" cap="flat" cmpd="sng" algn="ctr">
+                      <a:solidFill>
+                        <a:schemeClr val="tx1"/>
+                      </a:solidFill>
+                      <a:prstDash val="solid"/>
+                      <a:round/>
+                      <a:headEnd type="none" w="med" len="med"/>
+                      <a:tailEnd type="none" w="med" len="med"/>
+                    </a:lnL>
+                    <a:lnR w="12700" cap="flat" cmpd="sng" algn="ctr">
+                      <a:solidFill>
+                        <a:schemeClr val="tx1"/>
+                      </a:solidFill>
+                      <a:prstDash val="solid"/>
+                      <a:round/>
+                      <a:headEnd type="none" w="med" len="med"/>
+                      <a:tailEnd type="none" w="med" len="med"/>
+                    </a:lnR>
+                    <a:lnT w="12700" cap="flat" cmpd="sng" algn="ctr">
+                      <a:solidFill>
+                        <a:schemeClr val="tx1"/>
+                      </a:solidFill>
+                      <a:prstDash val="solid"/>
+                      <a:round/>
+                      <a:headEnd type="none" w="med" len="med"/>
+                      <a:tailEnd type="none" w="med" len="med"/>
+                    </a:lnT>
+                    <a:lnB w="12700" cap="flat" cmpd="sng" algn="ctr">
+                      <a:solidFill>
+                        <a:schemeClr val="tx1"/>
+                      </a:solidFill>
+                      <a:prstDash val="solid"/>
+                      <a:round/>
+                      <a:headEnd type="none" w="med" len="med"/>
+                      <a:tailEnd type="none" w="med" len="med"/>
+                    </a:lnB>
                   </a:tcPr>
                 </a:tc>
                 <a:tc>
@@ -3881,9 +4042,42 @@
                     </a:p>
                   </a:txBody>
                   <a:tcPr marL="65314" marR="65314" marT="32657" marB="32657">
-                    <a:solidFill>
-                      <a:srgbClr val="E6EDF6"/>
-                    </a:solidFill>
+                    <a:lnL w="12700" cap="flat" cmpd="sng" algn="ctr">
+                      <a:solidFill>
+                        <a:schemeClr val="tx1"/>
+                      </a:solidFill>
+                      <a:prstDash val="solid"/>
+                      <a:round/>
+                      <a:headEnd type="none" w="med" len="med"/>
+                      <a:tailEnd type="none" w="med" len="med"/>
+                    </a:lnL>
+                    <a:lnR w="12700" cap="flat" cmpd="sng" algn="ctr">
+                      <a:solidFill>
+                        <a:schemeClr val="tx1"/>
+                      </a:solidFill>
+                      <a:prstDash val="solid"/>
+                      <a:round/>
+                      <a:headEnd type="none" w="med" len="med"/>
+                      <a:tailEnd type="none" w="med" len="med"/>
+                    </a:lnR>
+                    <a:lnT w="12700" cap="flat" cmpd="sng" algn="ctr">
+                      <a:solidFill>
+                        <a:schemeClr val="tx1"/>
+                      </a:solidFill>
+                      <a:prstDash val="solid"/>
+                      <a:round/>
+                      <a:headEnd type="none" w="med" len="med"/>
+                      <a:tailEnd type="none" w="med" len="med"/>
+                    </a:lnT>
+                    <a:lnB w="12700" cap="flat" cmpd="sng" algn="ctr">
+                      <a:solidFill>
+                        <a:schemeClr val="tx1"/>
+                      </a:solidFill>
+                      <a:prstDash val="solid"/>
+                      <a:round/>
+                      <a:headEnd type="none" w="med" len="med"/>
+                      <a:tailEnd type="none" w="med" len="med"/>
+                    </a:lnB>
                   </a:tcPr>
                 </a:tc>
               </a:tr>
@@ -3903,7 +4097,7 @@
           <a:blip r:embed="rId3" cstate="print">
             <a:extLst>
               <a:ext uri="{28A0092B-C50C-407E-A947-70E740481C1C}">
-                <a14:useLocalDpi xmlns:a14="http://schemas.microsoft.com/office/drawing/2010/main" xmlns="" val="0"/>
+                <a14:useLocalDpi xmlns="" xmlns:a14="http://schemas.microsoft.com/office/drawing/2010/main" val="0"/>
               </a:ext>
             </a:extLst>
           </a:blip>
@@ -3914,7 +4108,7 @@
         </p:blipFill>
         <p:spPr bwMode="auto">
           <a:xfrm>
-            <a:off x="4953000" y="5181600"/>
+            <a:off x="4953000" y="5334000"/>
             <a:ext cx="3329880" cy="1205646"/>
           </a:xfrm>
           <a:prstGeom prst="rect">
@@ -3926,14 +4120,14 @@
           </a:ln>
           <a:extLst>
             <a:ext uri="{909E8E84-426E-40DD-AFC4-6F175D3DCCD1}">
-              <a14:hiddenFill xmlns:a14="http://schemas.microsoft.com/office/drawing/2010/main" xmlns="">
+              <a14:hiddenFill xmlns="" xmlns:a14="http://schemas.microsoft.com/office/drawing/2010/main">
                 <a:solidFill>
                   <a:schemeClr val="accent1"/>
                 </a:solidFill>
               </a14:hiddenFill>
             </a:ext>
             <a:ext uri="{91240B29-F687-4F45-9708-019B960494DF}">
-              <a14:hiddenLine xmlns:a14="http://schemas.microsoft.com/office/drawing/2010/main" xmlns="" w="9525">
+              <a14:hiddenLine xmlns="" xmlns:a14="http://schemas.microsoft.com/office/drawing/2010/main" w="9525">
                 <a:solidFill>
                   <a:schemeClr val="tx1"/>
                 </a:solidFill>
@@ -3957,7 +4151,7 @@
           <a:blip r:embed="rId4" cstate="print">
             <a:extLst>
               <a:ext uri="{28A0092B-C50C-407E-A947-70E740481C1C}">
-                <a14:useLocalDpi xmlns:a14="http://schemas.microsoft.com/office/drawing/2010/main" xmlns="" val="0"/>
+                <a14:useLocalDpi xmlns="" xmlns:a14="http://schemas.microsoft.com/office/drawing/2010/main" val="0"/>
               </a:ext>
             </a:extLst>
           </a:blip>
@@ -3968,7 +4162,7 @@
         </p:blipFill>
         <p:spPr bwMode="auto">
           <a:xfrm>
-            <a:off x="4876800" y="3352800"/>
+            <a:off x="5002648" y="3352800"/>
             <a:ext cx="3226952" cy="1463023"/>
           </a:xfrm>
           <a:prstGeom prst="rect">
@@ -3980,14 +4174,14 @@
           </a:ln>
           <a:extLst>
             <a:ext uri="{909E8E84-426E-40DD-AFC4-6F175D3DCCD1}">
-              <a14:hiddenFill xmlns:a14="http://schemas.microsoft.com/office/drawing/2010/main" xmlns="">
+              <a14:hiddenFill xmlns="" xmlns:a14="http://schemas.microsoft.com/office/drawing/2010/main">
                 <a:solidFill>
                   <a:schemeClr val="accent1"/>
                 </a:solidFill>
               </a14:hiddenFill>
             </a:ext>
             <a:ext uri="{91240B29-F687-4F45-9708-019B960494DF}">
-              <a14:hiddenLine xmlns:a14="http://schemas.microsoft.com/office/drawing/2010/main" xmlns="" w="9525">
+              <a14:hiddenLine xmlns="" xmlns:a14="http://schemas.microsoft.com/office/drawing/2010/main" w="9525">
                 <a:solidFill>
                   <a:schemeClr val="tx1"/>
                 </a:solidFill>
@@ -4011,7 +4205,7 @@
           <a:blip r:embed="rId5" cstate="print">
             <a:extLst>
               <a:ext uri="{28A0092B-C50C-407E-A947-70E740481C1C}">
-                <a14:useLocalDpi xmlns:a14="http://schemas.microsoft.com/office/drawing/2010/main" xmlns="" val="0"/>
+                <a14:useLocalDpi xmlns="" xmlns:a14="http://schemas.microsoft.com/office/drawing/2010/main" val="0"/>
               </a:ext>
             </a:extLst>
           </a:blip>
@@ -4022,8 +4216,8 @@
         </p:blipFill>
         <p:spPr bwMode="auto">
           <a:xfrm>
-            <a:off x="3200400" y="6248400"/>
-            <a:ext cx="671286" cy="398009"/>
+            <a:off x="3505200" y="6194468"/>
+            <a:ext cx="990600" cy="587332"/>
           </a:xfrm>
           <a:prstGeom prst="rect">
             <a:avLst/>
@@ -4034,14 +4228,14 @@
           </a:ln>
           <a:extLst>
             <a:ext uri="{909E8E84-426E-40DD-AFC4-6F175D3DCCD1}">
-              <a14:hiddenFill xmlns:a14="http://schemas.microsoft.com/office/drawing/2010/main" xmlns="">
+              <a14:hiddenFill xmlns="" xmlns:a14="http://schemas.microsoft.com/office/drawing/2010/main">
                 <a:solidFill>
                   <a:schemeClr val="accent1"/>
                 </a:solidFill>
               </a14:hiddenFill>
             </a:ext>
             <a:ext uri="{91240B29-F687-4F45-9708-019B960494DF}">
-              <a14:hiddenLine xmlns:a14="http://schemas.microsoft.com/office/drawing/2010/main" xmlns="" w="9525">
+              <a14:hiddenLine xmlns="" xmlns:a14="http://schemas.microsoft.com/office/drawing/2010/main" w="9525">
                 <a:solidFill>
                   <a:schemeClr val="tx1"/>
                 </a:solidFill>
@@ -4065,7 +4259,7 @@
           <a:blip r:embed="rId6" cstate="print">
             <a:extLst>
               <a:ext uri="{28A0092B-C50C-407E-A947-70E740481C1C}">
-                <a14:useLocalDpi xmlns:a14="http://schemas.microsoft.com/office/drawing/2010/main" xmlns="" val="0"/>
+                <a14:useLocalDpi xmlns="" xmlns:a14="http://schemas.microsoft.com/office/drawing/2010/main" val="0"/>
               </a:ext>
             </a:extLst>
           </a:blip>
@@ -4076,8 +4270,8 @@
         </p:blipFill>
         <p:spPr bwMode="auto">
           <a:xfrm>
-            <a:off x="3581400" y="4114800"/>
-            <a:ext cx="487373" cy="424333"/>
+            <a:off x="3708116" y="4191000"/>
+            <a:ext cx="787684" cy="685800"/>
           </a:xfrm>
           <a:prstGeom prst="rect">
             <a:avLst/>
@@ -4088,14 +4282,14 @@
           </a:ln>
           <a:extLst>
             <a:ext uri="{909E8E84-426E-40DD-AFC4-6F175D3DCCD1}">
-              <a14:hiddenFill xmlns:a14="http://schemas.microsoft.com/office/drawing/2010/main" xmlns="">
+              <a14:hiddenFill xmlns="" xmlns:a14="http://schemas.microsoft.com/office/drawing/2010/main">
                 <a:solidFill>
                   <a:schemeClr val="accent1"/>
                 </a:solidFill>
               </a14:hiddenFill>
             </a:ext>
             <a:ext uri="{91240B29-F687-4F45-9708-019B960494DF}">
-              <a14:hiddenLine xmlns:a14="http://schemas.microsoft.com/office/drawing/2010/main" xmlns="" w="9525">
+              <a14:hiddenLine xmlns="" xmlns:a14="http://schemas.microsoft.com/office/drawing/2010/main" w="9525">
                 <a:solidFill>
                   <a:schemeClr val="tx1"/>
                 </a:solidFill>
@@ -4119,7 +4313,7 @@
           <a:blip r:embed="rId7" cstate="print">
             <a:extLst>
               <a:ext uri="{28A0092B-C50C-407E-A947-70E740481C1C}">
-                <a14:useLocalDpi xmlns:a14="http://schemas.microsoft.com/office/drawing/2010/main" xmlns="" val="0"/>
+                <a14:useLocalDpi xmlns="" xmlns:a14="http://schemas.microsoft.com/office/drawing/2010/main" val="0"/>
               </a:ext>
             </a:extLst>
           </a:blip>
@@ -4130,7 +4324,7 @@
         </p:blipFill>
         <p:spPr bwMode="auto">
           <a:xfrm>
-            <a:off x="5181600" y="1752600"/>
+            <a:off x="5440644" y="1752600"/>
             <a:ext cx="2407956" cy="1244548"/>
           </a:xfrm>
           <a:prstGeom prst="rect">
@@ -4139,7 +4333,7 @@
           <a:noFill/>
           <a:extLst>
             <a:ext uri="{909E8E84-426E-40DD-AFC4-6F175D3DCCD1}">
-              <a14:hiddenFill xmlns:a14="http://schemas.microsoft.com/office/drawing/2010/main" xmlns="">
+              <a14:hiddenFill xmlns="" xmlns:a14="http://schemas.microsoft.com/office/drawing/2010/main">
                 <a:solidFill>
                   <a:srgbClr val="FFFFFF"/>
                 </a:solidFill>
@@ -4151,7 +4345,7 @@
     </p:spTree>
     <p:extLst>
       <p:ext uri="{BB962C8B-B14F-4D97-AF65-F5344CB8AC3E}">
-        <p14:creationId xmlns:p14="http://schemas.microsoft.com/office/powerpoint/2010/main" xmlns="" val="1300761918"/>
+        <p14:creationId xmlns="" xmlns:p14="http://schemas.microsoft.com/office/powerpoint/2010/main" val="1300761918"/>
       </p:ext>
     </p:extLst>
   </p:cSld>
